--- a/DsDotNet/src/UnitTest/UnitTest.Model/ImportOfficeExample/Sample/s_car.pptx
+++ b/DsDotNet/src/UnitTest/UnitTest.Model/ImportOfficeExample/Sample/s_car.pptx
@@ -235,7 +235,7 @@
           <a:p>
             <a:fld id="{DD503887-5801-43A0-AEF9-041E8DDC2558}" type="datetimeFigureOut">
               <a:rPr lang="ko-KR" altLang="en-US" smtClean="0"/>
-              <a:t>2023-02-02</a:t>
+              <a:t>2023-02-03</a:t>
             </a:fld>
             <a:endParaRPr lang="ko-KR" altLang="en-US" dirty="0"/>
           </a:p>
@@ -412,7 +412,7 @@
           <a:p>
             <a:fld id="{95336A0E-57B1-4D4C-BD9B-2F72B5943464}" type="datetimeFigureOut">
               <a:rPr lang="ko-KR" altLang="en-US" smtClean="0"/>
-              <a:t>2023-02-02</a:t>
+              <a:t>2023-02-03</a:t>
             </a:fld>
             <a:endParaRPr lang="ko-KR" altLang="en-US" dirty="0"/>
           </a:p>
@@ -910,7 +910,7 @@
           <a:p>
             <a:fld id="{229D12C7-0FF5-4972-A033-474EFFC79F40}" type="datetime1">
               <a:rPr lang="ko-KR" altLang="en-US" smtClean="0"/>
-              <a:t>2023-02-02</a:t>
+              <a:t>2023-02-03</a:t>
             </a:fld>
             <a:endParaRPr lang="ko-KR" altLang="en-US" dirty="0"/>
           </a:p>
@@ -1108,7 +1108,7 @@
           <a:p>
             <a:fld id="{5BA19FD4-B052-4F56-8FD8-EAFD078DEFB0}" type="datetime1">
               <a:rPr lang="ko-KR" altLang="en-US" smtClean="0"/>
-              <a:t>2023-02-02</a:t>
+              <a:t>2023-02-03</a:t>
             </a:fld>
             <a:endParaRPr lang="ko-KR" altLang="en-US" dirty="0"/>
           </a:p>
@@ -1316,7 +1316,7 @@
           <a:p>
             <a:fld id="{024994B9-23A6-4B0A-A038-AC140E83DAA3}" type="datetime1">
               <a:rPr lang="ko-KR" altLang="en-US" smtClean="0"/>
-              <a:t>2023-02-02</a:t>
+              <a:t>2023-02-03</a:t>
             </a:fld>
             <a:endParaRPr lang="ko-KR" altLang="en-US" dirty="0"/>
           </a:p>
@@ -1458,7 +1458,7 @@
           <a:p>
             <a:fld id="{B5B1BBC2-B738-4C35-AEE5-660EB2DEB482}" type="datetime1">
               <a:rPr lang="ko-KR" altLang="en-US" smtClean="0"/>
-              <a:t>2023-02-02</a:t>
+              <a:t>2023-02-03</a:t>
             </a:fld>
             <a:endParaRPr lang="ko-KR" altLang="en-US" dirty="0"/>
           </a:p>
@@ -6125,7 +6125,7 @@
           <a:p>
             <a:fld id="{70D0DAB2-87CB-4028-B965-3AA710ADF2CB}" type="datetime1">
               <a:rPr lang="ko-KR" altLang="en-US" smtClean="0"/>
-              <a:t>2023-02-02</a:t>
+              <a:t>2023-02-03</a:t>
             </a:fld>
             <a:endParaRPr lang="ko-KR" altLang="en-US" dirty="0"/>
           </a:p>
@@ -6400,7 +6400,7 @@
           <a:p>
             <a:fld id="{63FA3D71-FEA8-477F-9D1E-EA860F411BC7}" type="datetime1">
               <a:rPr lang="ko-KR" altLang="en-US" smtClean="0"/>
-              <a:t>2023-02-02</a:t>
+              <a:t>2023-02-03</a:t>
             </a:fld>
             <a:endParaRPr lang="ko-KR" altLang="en-US" dirty="0"/>
           </a:p>
@@ -6665,7 +6665,7 @@
           <a:p>
             <a:fld id="{F58E3EF4-7980-4C97-BA64-EC66995BB574}" type="datetime1">
               <a:rPr lang="ko-KR" altLang="en-US" smtClean="0"/>
-              <a:t>2023-02-02</a:t>
+              <a:t>2023-02-03</a:t>
             </a:fld>
             <a:endParaRPr lang="ko-KR" altLang="en-US" dirty="0"/>
           </a:p>
@@ -7077,7 +7077,7 @@
           <a:p>
             <a:fld id="{FC9BC1D0-7D6B-4634-9D19-644040D74EAE}" type="datetime1">
               <a:rPr lang="ko-KR" altLang="en-US" smtClean="0"/>
-              <a:t>2023-02-02</a:t>
+              <a:t>2023-02-03</a:t>
             </a:fld>
             <a:endParaRPr lang="ko-KR" altLang="en-US" dirty="0"/>
           </a:p>
@@ -7218,7 +7218,7 @@
           <a:p>
             <a:fld id="{B5B1BBC2-B738-4C35-AEE5-660EB2DEB482}" type="datetime1">
               <a:rPr lang="ko-KR" altLang="en-US" smtClean="0"/>
-              <a:t>2023-02-02</a:t>
+              <a:t>2023-02-03</a:t>
             </a:fld>
             <a:endParaRPr lang="ko-KR" altLang="en-US" dirty="0"/>
           </a:p>
@@ -11800,7 +11800,7 @@
           <a:p>
             <a:fld id="{C60E9F93-7E77-4F36-B88C-A425F00C8D91}" type="datetime1">
               <a:rPr lang="ko-KR" altLang="en-US" smtClean="0"/>
-              <a:t>2023-02-02</a:t>
+              <a:t>2023-02-03</a:t>
             </a:fld>
             <a:endParaRPr lang="ko-KR" altLang="en-US" dirty="0"/>
           </a:p>
@@ -12111,7 +12111,7 @@
           <a:p>
             <a:fld id="{36BCCD0E-2A54-4016-BFFC-FEAABCDA6915}" type="datetime1">
               <a:rPr lang="ko-KR" altLang="en-US" smtClean="0"/>
-              <a:t>2023-02-02</a:t>
+              <a:t>2023-02-03</a:t>
             </a:fld>
             <a:endParaRPr lang="ko-KR" altLang="en-US" dirty="0"/>
           </a:p>
@@ -12399,7 +12399,7 @@
           <a:p>
             <a:fld id="{C984B0C4-64BA-4E4C-B5E6-A51EE3F6ED95}" type="datetime1">
               <a:rPr lang="ko-KR" altLang="en-US" smtClean="0"/>
-              <a:t>2023-02-02</a:t>
+              <a:t>2023-02-03</a:t>
             </a:fld>
             <a:endParaRPr lang="ko-KR" altLang="en-US" dirty="0"/>
           </a:p>
@@ -12641,7 +12641,7 @@
           <a:p>
             <a:fld id="{C984B0C4-64BA-4E4C-B5E6-A51EE3F6ED95}" type="datetime1">
               <a:rPr lang="ko-KR" altLang="en-US" smtClean="0"/>
-              <a:t>2023-02-02</a:t>
+              <a:t>2023-02-03</a:t>
             </a:fld>
             <a:endParaRPr lang="ko-KR" altLang="en-US" dirty="0"/>
           </a:p>
@@ -13236,19 +13236,7 @@
             <a:pPr algn="ctr"/>
             <a:r>
               <a:rPr lang="en-US" altLang="ko-KR" sz="1600" dirty="0"/>
-              <a:t>[</a:t>
-            </a:r>
-            <a:r>
-              <a:rPr lang="en-US" altLang="ko-KR" sz="1600" b="1" dirty="0">
-                <a:solidFill>
-                  <a:schemeClr val="tx1"/>
-                </a:solidFill>
-              </a:rPr>
-              <a:t>Pin</a:t>
-            </a:r>
-            <a:r>
-              <a:rPr lang="en-US" altLang="ko-KR" sz="1600" dirty="0"/>
-              <a:t>]</a:t>
+              <a:t>[Pin]10</a:t>
             </a:r>
             <a:endParaRPr lang="ko-KR" altLang="en-US" sz="1600" dirty="0"/>
           </a:p>
@@ -15314,19 +15302,7 @@
             <a:pPr algn="ctr"/>
             <a:r>
               <a:rPr lang="en-US" altLang="ko-KR" sz="1600" dirty="0"/>
-              <a:t>[</a:t>
-            </a:r>
-            <a:r>
-              <a:rPr lang="en-US" altLang="ko-KR" sz="1600" b="1" dirty="0">
-                <a:solidFill>
-                  <a:schemeClr val="tx1"/>
-                </a:solidFill>
-              </a:rPr>
-              <a:t>Pin</a:t>
-            </a:r>
-            <a:r>
-              <a:rPr lang="en-US" altLang="ko-KR" sz="1600" dirty="0"/>
-              <a:t>]</a:t>
+              <a:t>[Pin]10</a:t>
             </a:r>
             <a:endParaRPr lang="ko-KR" altLang="en-US" sz="1600" dirty="0"/>
           </a:p>
@@ -17392,19 +17368,7 @@
             <a:pPr algn="ctr"/>
             <a:r>
               <a:rPr lang="en-US" altLang="ko-KR" sz="1600" dirty="0"/>
-              <a:t>[</a:t>
-            </a:r>
-            <a:r>
-              <a:rPr lang="en-US" altLang="ko-KR" sz="1600" b="1" dirty="0">
-                <a:solidFill>
-                  <a:schemeClr val="tx1"/>
-                </a:solidFill>
-              </a:rPr>
-              <a:t>Pin</a:t>
-            </a:r>
-            <a:r>
-              <a:rPr lang="en-US" altLang="ko-KR" sz="1600" dirty="0"/>
-              <a:t>]</a:t>
+              <a:t>[Pin]10</a:t>
             </a:r>
             <a:endParaRPr lang="ko-KR" altLang="en-US" sz="1600" dirty="0"/>
           </a:p>
@@ -19470,19 +19434,7 @@
             <a:pPr algn="ctr"/>
             <a:r>
               <a:rPr lang="en-US" altLang="ko-KR" sz="1600" dirty="0"/>
-              <a:t>[</a:t>
-            </a:r>
-            <a:r>
-              <a:rPr lang="en-US" altLang="ko-KR" sz="1600" b="1" dirty="0">
-                <a:solidFill>
-                  <a:schemeClr val="tx1"/>
-                </a:solidFill>
-              </a:rPr>
-              <a:t>Pin</a:t>
-            </a:r>
-            <a:r>
-              <a:rPr lang="en-US" altLang="ko-KR" sz="1600" dirty="0"/>
-              <a:t>]</a:t>
+              <a:t>[Pin]10</a:t>
             </a:r>
             <a:endParaRPr lang="ko-KR" altLang="en-US" sz="1600" dirty="0"/>
           </a:p>
@@ -21548,19 +21500,7 @@
             <a:pPr algn="ctr"/>
             <a:r>
               <a:rPr lang="en-US" altLang="ko-KR" sz="1600" dirty="0"/>
-              <a:t>[</a:t>
-            </a:r>
-            <a:r>
-              <a:rPr lang="en-US" altLang="ko-KR" sz="1600" b="1" dirty="0">
-                <a:solidFill>
-                  <a:schemeClr val="tx1"/>
-                </a:solidFill>
-              </a:rPr>
-              <a:t>Pin</a:t>
-            </a:r>
-            <a:r>
-              <a:rPr lang="en-US" altLang="ko-KR" sz="1600" dirty="0"/>
-              <a:t>]</a:t>
+              <a:t>[Pin]10</a:t>
             </a:r>
             <a:endParaRPr lang="ko-KR" altLang="en-US" sz="1600" dirty="0"/>
           </a:p>
@@ -23626,19 +23566,7 @@
             <a:pPr algn="ctr"/>
             <a:r>
               <a:rPr lang="en-US" altLang="ko-KR" sz="1600" dirty="0"/>
-              <a:t>[</a:t>
-            </a:r>
-            <a:r>
-              <a:rPr lang="en-US" altLang="ko-KR" sz="1600" b="1" dirty="0">
-                <a:solidFill>
-                  <a:schemeClr val="tx1"/>
-                </a:solidFill>
-              </a:rPr>
-              <a:t>Pin</a:t>
-            </a:r>
-            <a:r>
-              <a:rPr lang="en-US" altLang="ko-KR" sz="1600" dirty="0"/>
-              <a:t>]</a:t>
+              <a:t>[Pin]10</a:t>
             </a:r>
             <a:endParaRPr lang="ko-KR" altLang="en-US" sz="1600" dirty="0"/>
           </a:p>
@@ -25704,19 +25632,7 @@
             <a:pPr algn="ctr"/>
             <a:r>
               <a:rPr lang="en-US" altLang="ko-KR" sz="1600" dirty="0"/>
-              <a:t>[</a:t>
-            </a:r>
-            <a:r>
-              <a:rPr lang="en-US" altLang="ko-KR" sz="1600" b="1" dirty="0">
-                <a:solidFill>
-                  <a:schemeClr val="tx1"/>
-                </a:solidFill>
-              </a:rPr>
-              <a:t>Pin</a:t>
-            </a:r>
-            <a:r>
-              <a:rPr lang="en-US" altLang="ko-KR" sz="1600" dirty="0"/>
-              <a:t>]</a:t>
+              <a:t>[Pin]10</a:t>
             </a:r>
             <a:endParaRPr lang="ko-KR" altLang="en-US" sz="1600" dirty="0"/>
           </a:p>
@@ -27782,19 +27698,7 @@
             <a:pPr algn="ctr"/>
             <a:r>
               <a:rPr lang="en-US" altLang="ko-KR" sz="1600" dirty="0"/>
-              <a:t>[</a:t>
-            </a:r>
-            <a:r>
-              <a:rPr lang="en-US" altLang="ko-KR" sz="1600" b="1" dirty="0">
-                <a:solidFill>
-                  <a:schemeClr val="tx1"/>
-                </a:solidFill>
-              </a:rPr>
-              <a:t>Pin</a:t>
-            </a:r>
-            <a:r>
-              <a:rPr lang="en-US" altLang="ko-KR" sz="1600" dirty="0"/>
-              <a:t>]</a:t>
+              <a:t>[Pin]10</a:t>
             </a:r>
             <a:endParaRPr lang="ko-KR" altLang="en-US" sz="1600" dirty="0"/>
           </a:p>
@@ -29860,19 +29764,7 @@
             <a:pPr algn="ctr"/>
             <a:r>
               <a:rPr lang="en-US" altLang="ko-KR" sz="1600" dirty="0"/>
-              <a:t>[</a:t>
-            </a:r>
-            <a:r>
-              <a:rPr lang="en-US" altLang="ko-KR" sz="1600" b="1" dirty="0">
-                <a:solidFill>
-                  <a:schemeClr val="tx1"/>
-                </a:solidFill>
-              </a:rPr>
-              <a:t>Pin</a:t>
-            </a:r>
-            <a:r>
-              <a:rPr lang="en-US" altLang="ko-KR" sz="1600" dirty="0"/>
-              <a:t>]</a:t>
+              <a:t>[Pin]10</a:t>
             </a:r>
             <a:endParaRPr lang="ko-KR" altLang="en-US" sz="1600" dirty="0"/>
           </a:p>
@@ -31938,19 +31830,7 @@
             <a:pPr algn="ctr"/>
             <a:r>
               <a:rPr lang="en-US" altLang="ko-KR" sz="1600" dirty="0"/>
-              <a:t>[</a:t>
-            </a:r>
-            <a:r>
-              <a:rPr lang="en-US" altLang="ko-KR" sz="1600" b="1" dirty="0">
-                <a:solidFill>
-                  <a:schemeClr val="tx1"/>
-                </a:solidFill>
-              </a:rPr>
-              <a:t>Pin</a:t>
-            </a:r>
-            <a:r>
-              <a:rPr lang="en-US" altLang="ko-KR" sz="1600" dirty="0"/>
-              <a:t>]</a:t>
+              <a:t>[Pin]10</a:t>
             </a:r>
             <a:endParaRPr lang="ko-KR" altLang="en-US" sz="1600" dirty="0"/>
           </a:p>
@@ -34016,19 +33896,7 @@
             <a:pPr algn="ctr"/>
             <a:r>
               <a:rPr lang="en-US" altLang="ko-KR" sz="1600" dirty="0"/>
-              <a:t>[</a:t>
-            </a:r>
-            <a:r>
-              <a:rPr lang="en-US" altLang="ko-KR" sz="1600" b="1" dirty="0">
-                <a:solidFill>
-                  <a:schemeClr val="tx1"/>
-                </a:solidFill>
-              </a:rPr>
-              <a:t>Pin</a:t>
-            </a:r>
-            <a:r>
-              <a:rPr lang="en-US" altLang="ko-KR" sz="1600" dirty="0"/>
-              <a:t>]</a:t>
+              <a:t>[Pin]10</a:t>
             </a:r>
             <a:endParaRPr lang="ko-KR" altLang="en-US" sz="1600" dirty="0"/>
           </a:p>
@@ -36094,19 +35962,7 @@
             <a:pPr algn="ctr"/>
             <a:r>
               <a:rPr lang="en-US" altLang="ko-KR" sz="1600" dirty="0"/>
-              <a:t>[</a:t>
-            </a:r>
-            <a:r>
-              <a:rPr lang="en-US" altLang="ko-KR" sz="1600" b="1" dirty="0">
-                <a:solidFill>
-                  <a:schemeClr val="tx1"/>
-                </a:solidFill>
-              </a:rPr>
-              <a:t>Pin</a:t>
-            </a:r>
-            <a:r>
-              <a:rPr lang="en-US" altLang="ko-KR" sz="1600" dirty="0"/>
-              <a:t>]</a:t>
+              <a:t>[Pin]10</a:t>
             </a:r>
             <a:endParaRPr lang="ko-KR" altLang="en-US" sz="1600" dirty="0"/>
           </a:p>
@@ -38172,19 +38028,7 @@
             <a:pPr algn="ctr"/>
             <a:r>
               <a:rPr lang="en-US" altLang="ko-KR" sz="1600" dirty="0"/>
-              <a:t>[</a:t>
-            </a:r>
-            <a:r>
-              <a:rPr lang="en-US" altLang="ko-KR" sz="1600" b="1" dirty="0">
-                <a:solidFill>
-                  <a:schemeClr val="tx1"/>
-                </a:solidFill>
-              </a:rPr>
-              <a:t>Pin</a:t>
-            </a:r>
-            <a:r>
-              <a:rPr lang="en-US" altLang="ko-KR" sz="1600" dirty="0"/>
-              <a:t>]</a:t>
+              <a:t>[Pin]10</a:t>
             </a:r>
             <a:endParaRPr lang="ko-KR" altLang="en-US" sz="1600" dirty="0"/>
           </a:p>
@@ -40250,19 +40094,7 @@
             <a:pPr algn="ctr"/>
             <a:r>
               <a:rPr lang="en-US" altLang="ko-KR" sz="1600" dirty="0"/>
-              <a:t>[</a:t>
-            </a:r>
-            <a:r>
-              <a:rPr lang="en-US" altLang="ko-KR" sz="1600" b="1" dirty="0">
-                <a:solidFill>
-                  <a:schemeClr val="tx1"/>
-                </a:solidFill>
-              </a:rPr>
-              <a:t>Pin</a:t>
-            </a:r>
-            <a:r>
-              <a:rPr lang="en-US" altLang="ko-KR" sz="1600" dirty="0"/>
-              <a:t>]</a:t>
+              <a:t>[Pin]10</a:t>
             </a:r>
             <a:endParaRPr lang="ko-KR" altLang="en-US" sz="1600" dirty="0"/>
           </a:p>
@@ -42328,19 +42160,7 @@
             <a:pPr algn="ctr"/>
             <a:r>
               <a:rPr lang="en-US" altLang="ko-KR" sz="1600" dirty="0"/>
-              <a:t>[</a:t>
-            </a:r>
-            <a:r>
-              <a:rPr lang="en-US" altLang="ko-KR" sz="1600" b="1" dirty="0">
-                <a:solidFill>
-                  <a:schemeClr val="tx1"/>
-                </a:solidFill>
-              </a:rPr>
-              <a:t>Pin</a:t>
-            </a:r>
-            <a:r>
-              <a:rPr lang="en-US" altLang="ko-KR" sz="1600" dirty="0"/>
-              <a:t>]</a:t>
+              <a:t>[Pin]10</a:t>
             </a:r>
             <a:endParaRPr lang="ko-KR" altLang="en-US" sz="1600" dirty="0"/>
           </a:p>
@@ -44406,19 +44226,7 @@
             <a:pPr algn="ctr"/>
             <a:r>
               <a:rPr lang="en-US" altLang="ko-KR" sz="1600" dirty="0"/>
-              <a:t>[</a:t>
-            </a:r>
-            <a:r>
-              <a:rPr lang="en-US" altLang="ko-KR" sz="1600" b="1" dirty="0">
-                <a:solidFill>
-                  <a:schemeClr val="tx1"/>
-                </a:solidFill>
-              </a:rPr>
-              <a:t>Pin</a:t>
-            </a:r>
-            <a:r>
-              <a:rPr lang="en-US" altLang="ko-KR" sz="1600" dirty="0"/>
-              <a:t>]</a:t>
+              <a:t>[Pin]10</a:t>
             </a:r>
             <a:endParaRPr lang="ko-KR" altLang="en-US" sz="1600" dirty="0"/>
           </a:p>
@@ -46484,19 +46292,7 @@
             <a:pPr algn="ctr"/>
             <a:r>
               <a:rPr lang="en-US" altLang="ko-KR" sz="1600" dirty="0"/>
-              <a:t>[</a:t>
-            </a:r>
-            <a:r>
-              <a:rPr lang="en-US" altLang="ko-KR" sz="1600" b="1" dirty="0">
-                <a:solidFill>
-                  <a:schemeClr val="tx1"/>
-                </a:solidFill>
-              </a:rPr>
-              <a:t>Pin</a:t>
-            </a:r>
-            <a:r>
-              <a:rPr lang="en-US" altLang="ko-KR" sz="1600" dirty="0"/>
-              <a:t>]</a:t>
+              <a:t>[Pin]10</a:t>
             </a:r>
             <a:endParaRPr lang="ko-KR" altLang="en-US" sz="1600" dirty="0"/>
           </a:p>
@@ -48562,19 +48358,7 @@
             <a:pPr algn="ctr"/>
             <a:r>
               <a:rPr lang="en-US" altLang="ko-KR" sz="1600" dirty="0"/>
-              <a:t>[</a:t>
-            </a:r>
-            <a:r>
-              <a:rPr lang="en-US" altLang="ko-KR" sz="1600" b="1" dirty="0">
-                <a:solidFill>
-                  <a:schemeClr val="tx1"/>
-                </a:solidFill>
-              </a:rPr>
-              <a:t>Pin</a:t>
-            </a:r>
-            <a:r>
-              <a:rPr lang="en-US" altLang="ko-KR" sz="1600" dirty="0"/>
-              <a:t>]</a:t>
+              <a:t>[Pin]10</a:t>
             </a:r>
             <a:endParaRPr lang="ko-KR" altLang="en-US" sz="1600" dirty="0"/>
           </a:p>
@@ -50640,19 +50424,7 @@
             <a:pPr algn="ctr"/>
             <a:r>
               <a:rPr lang="en-US" altLang="ko-KR" sz="1600" dirty="0"/>
-              <a:t>[</a:t>
-            </a:r>
-            <a:r>
-              <a:rPr lang="en-US" altLang="ko-KR" sz="1600" b="1" dirty="0">
-                <a:solidFill>
-                  <a:schemeClr val="tx1"/>
-                </a:solidFill>
-              </a:rPr>
-              <a:t>Pin</a:t>
-            </a:r>
-            <a:r>
-              <a:rPr lang="en-US" altLang="ko-KR" sz="1600" dirty="0"/>
-              <a:t>]</a:t>
+              <a:t>[Pin]10</a:t>
             </a:r>
             <a:endParaRPr lang="ko-KR" altLang="en-US" sz="1600" dirty="0"/>
           </a:p>
@@ -52718,19 +52490,7 @@
             <a:pPr algn="ctr"/>
             <a:r>
               <a:rPr lang="en-US" altLang="ko-KR" sz="1600" dirty="0"/>
-              <a:t>[</a:t>
-            </a:r>
-            <a:r>
-              <a:rPr lang="en-US" altLang="ko-KR" sz="1600" b="1" dirty="0">
-                <a:solidFill>
-                  <a:schemeClr val="tx1"/>
-                </a:solidFill>
-              </a:rPr>
-              <a:t>Pin</a:t>
-            </a:r>
-            <a:r>
-              <a:rPr lang="en-US" altLang="ko-KR" sz="1600" dirty="0"/>
-              <a:t>]</a:t>
+              <a:t>[Pin]10</a:t>
             </a:r>
             <a:endParaRPr lang="ko-KR" altLang="en-US" sz="1600" dirty="0"/>
           </a:p>

--- a/DsDotNet/src/UnitTest/UnitTest.Model/ImportOfficeExample/Sample/s_car.pptx
+++ b/DsDotNet/src/UnitTest/UnitTest.Model/ImportOfficeExample/Sample/s_car.pptx
@@ -235,7 +235,7 @@
           <a:p>
             <a:fld id="{DD503887-5801-43A0-AEF9-041E8DDC2558}" type="datetimeFigureOut">
               <a:rPr lang="ko-KR" altLang="en-US" smtClean="0"/>
-              <a:t>2023-02-03</a:t>
+              <a:t>2023-08-16</a:t>
             </a:fld>
             <a:endParaRPr lang="ko-KR" altLang="en-US" dirty="0"/>
           </a:p>
@@ -412,7 +412,7 @@
           <a:p>
             <a:fld id="{95336A0E-57B1-4D4C-BD9B-2F72B5943464}" type="datetimeFigureOut">
               <a:rPr lang="ko-KR" altLang="en-US" smtClean="0"/>
-              <a:t>2023-02-03</a:t>
+              <a:t>2023-08-16</a:t>
             </a:fld>
             <a:endParaRPr lang="ko-KR" altLang="en-US" dirty="0"/>
           </a:p>
@@ -910,7 +910,7 @@
           <a:p>
             <a:fld id="{229D12C7-0FF5-4972-A033-474EFFC79F40}" type="datetime1">
               <a:rPr lang="ko-KR" altLang="en-US" smtClean="0"/>
-              <a:t>2023-02-03</a:t>
+              <a:t>2023-08-16</a:t>
             </a:fld>
             <a:endParaRPr lang="ko-KR" altLang="en-US" dirty="0"/>
           </a:p>
@@ -1108,7 +1108,7 @@
           <a:p>
             <a:fld id="{5BA19FD4-B052-4F56-8FD8-EAFD078DEFB0}" type="datetime1">
               <a:rPr lang="ko-KR" altLang="en-US" smtClean="0"/>
-              <a:t>2023-02-03</a:t>
+              <a:t>2023-08-16</a:t>
             </a:fld>
             <a:endParaRPr lang="ko-KR" altLang="en-US" dirty="0"/>
           </a:p>
@@ -1316,7 +1316,7 @@
           <a:p>
             <a:fld id="{024994B9-23A6-4B0A-A038-AC140E83DAA3}" type="datetime1">
               <a:rPr lang="ko-KR" altLang="en-US" smtClean="0"/>
-              <a:t>2023-02-03</a:t>
+              <a:t>2023-08-16</a:t>
             </a:fld>
             <a:endParaRPr lang="ko-KR" altLang="en-US" dirty="0"/>
           </a:p>
@@ -1458,7 +1458,7 @@
           <a:p>
             <a:fld id="{B5B1BBC2-B738-4C35-AEE5-660EB2DEB482}" type="datetime1">
               <a:rPr lang="ko-KR" altLang="en-US" smtClean="0"/>
-              <a:t>2023-02-03</a:t>
+              <a:t>2023-08-16</a:t>
             </a:fld>
             <a:endParaRPr lang="ko-KR" altLang="en-US" dirty="0"/>
           </a:p>
@@ -6125,7 +6125,7 @@
           <a:p>
             <a:fld id="{70D0DAB2-87CB-4028-B965-3AA710ADF2CB}" type="datetime1">
               <a:rPr lang="ko-KR" altLang="en-US" smtClean="0"/>
-              <a:t>2023-02-03</a:t>
+              <a:t>2023-08-16</a:t>
             </a:fld>
             <a:endParaRPr lang="ko-KR" altLang="en-US" dirty="0"/>
           </a:p>
@@ -6400,7 +6400,7 @@
           <a:p>
             <a:fld id="{63FA3D71-FEA8-477F-9D1E-EA860F411BC7}" type="datetime1">
               <a:rPr lang="ko-KR" altLang="en-US" smtClean="0"/>
-              <a:t>2023-02-03</a:t>
+              <a:t>2023-08-16</a:t>
             </a:fld>
             <a:endParaRPr lang="ko-KR" altLang="en-US" dirty="0"/>
           </a:p>
@@ -6665,7 +6665,7 @@
           <a:p>
             <a:fld id="{F58E3EF4-7980-4C97-BA64-EC66995BB574}" type="datetime1">
               <a:rPr lang="ko-KR" altLang="en-US" smtClean="0"/>
-              <a:t>2023-02-03</a:t>
+              <a:t>2023-08-16</a:t>
             </a:fld>
             <a:endParaRPr lang="ko-KR" altLang="en-US" dirty="0"/>
           </a:p>
@@ -7077,7 +7077,7 @@
           <a:p>
             <a:fld id="{FC9BC1D0-7D6B-4634-9D19-644040D74EAE}" type="datetime1">
               <a:rPr lang="ko-KR" altLang="en-US" smtClean="0"/>
-              <a:t>2023-02-03</a:t>
+              <a:t>2023-08-16</a:t>
             </a:fld>
             <a:endParaRPr lang="ko-KR" altLang="en-US" dirty="0"/>
           </a:p>
@@ -7218,7 +7218,7 @@
           <a:p>
             <a:fld id="{B5B1BBC2-B738-4C35-AEE5-660EB2DEB482}" type="datetime1">
               <a:rPr lang="ko-KR" altLang="en-US" smtClean="0"/>
-              <a:t>2023-02-03</a:t>
+              <a:t>2023-08-16</a:t>
             </a:fld>
             <a:endParaRPr lang="ko-KR" altLang="en-US" dirty="0"/>
           </a:p>
@@ -11800,7 +11800,7 @@
           <a:p>
             <a:fld id="{C60E9F93-7E77-4F36-B88C-A425F00C8D91}" type="datetime1">
               <a:rPr lang="ko-KR" altLang="en-US" smtClean="0"/>
-              <a:t>2023-02-03</a:t>
+              <a:t>2023-08-16</a:t>
             </a:fld>
             <a:endParaRPr lang="ko-KR" altLang="en-US" dirty="0"/>
           </a:p>
@@ -12111,7 +12111,7 @@
           <a:p>
             <a:fld id="{36BCCD0E-2A54-4016-BFFC-FEAABCDA6915}" type="datetime1">
               <a:rPr lang="ko-KR" altLang="en-US" smtClean="0"/>
-              <a:t>2023-02-03</a:t>
+              <a:t>2023-08-16</a:t>
             </a:fld>
             <a:endParaRPr lang="ko-KR" altLang="en-US" dirty="0"/>
           </a:p>
@@ -12399,7 +12399,7 @@
           <a:p>
             <a:fld id="{C984B0C4-64BA-4E4C-B5E6-A51EE3F6ED95}" type="datetime1">
               <a:rPr lang="ko-KR" altLang="en-US" smtClean="0"/>
-              <a:t>2023-02-03</a:t>
+              <a:t>2023-08-16</a:t>
             </a:fld>
             <a:endParaRPr lang="ko-KR" altLang="en-US" dirty="0"/>
           </a:p>
@@ -12641,7 +12641,7 @@
           <a:p>
             <a:fld id="{C984B0C4-64BA-4E4C-B5E6-A51EE3F6ED95}" type="datetime1">
               <a:rPr lang="ko-KR" altLang="en-US" smtClean="0"/>
-              <a:t>2023-02-03</a:t>
+              <a:t>2023-08-16</a:t>
             </a:fld>
             <a:endParaRPr lang="ko-KR" altLang="en-US" dirty="0"/>
           </a:p>
@@ -39990,7 +39990,7 @@
 </file>
 
 <file path=ppt/slides/slide3.xml><?xml version="1.0" encoding="utf-8"?>
-<p:sld xmlns:a="http://schemas.openxmlformats.org/drawingml/2006/main" xmlns:r="http://schemas.openxmlformats.org/officeDocument/2006/relationships" xmlns:p="http://schemas.openxmlformats.org/presentationml/2006/main">
+<p:sld xmlns:a="http://schemas.openxmlformats.org/drawingml/2006/main" xmlns:r="http://schemas.openxmlformats.org/officeDocument/2006/relationships" xmlns:p="http://schemas.openxmlformats.org/presentationml/2006/main" show="0">
   <p:cSld>
     <p:spTree>
       <p:nvGrpSpPr>
@@ -42056,7 +42056,7 @@
 </file>
 
 <file path=ppt/slides/slide4.xml><?xml version="1.0" encoding="utf-8"?>
-<p:sld xmlns:a="http://schemas.openxmlformats.org/drawingml/2006/main" xmlns:r="http://schemas.openxmlformats.org/officeDocument/2006/relationships" xmlns:p="http://schemas.openxmlformats.org/presentationml/2006/main">
+<p:sld xmlns:a="http://schemas.openxmlformats.org/drawingml/2006/main" xmlns:r="http://schemas.openxmlformats.org/officeDocument/2006/relationships" xmlns:p="http://schemas.openxmlformats.org/presentationml/2006/main" show="0">
   <p:cSld>
     <p:spTree>
       <p:nvGrpSpPr>
@@ -44122,7 +44122,7 @@
 </file>
 
 <file path=ppt/slides/slide5.xml><?xml version="1.0" encoding="utf-8"?>
-<p:sld xmlns:a="http://schemas.openxmlformats.org/drawingml/2006/main" xmlns:r="http://schemas.openxmlformats.org/officeDocument/2006/relationships" xmlns:p="http://schemas.openxmlformats.org/presentationml/2006/main">
+<p:sld xmlns:a="http://schemas.openxmlformats.org/drawingml/2006/main" xmlns:r="http://schemas.openxmlformats.org/officeDocument/2006/relationships" xmlns:p="http://schemas.openxmlformats.org/presentationml/2006/main" show="0">
   <p:cSld>
     <p:spTree>
       <p:nvGrpSpPr>

--- a/DsDotNet/src/UnitTest/UnitTest.Model/ImportOfficeExample/Sample/s_car.pptx
+++ b/DsDotNet/src/UnitTest/UnitTest.Model/ImportOfficeExample/Sample/s_car.pptx
@@ -22352,7 +22352,7 @@
 </file>
 
 <file path=ppt/slides/slide10.xml><?xml version="1.0" encoding="utf-8"?>
-<p:sld xmlns:a="http://schemas.openxmlformats.org/drawingml/2006/main" xmlns:r="http://schemas.openxmlformats.org/officeDocument/2006/relationships" xmlns:p="http://schemas.openxmlformats.org/presentationml/2006/main">
+<p:sld xmlns:a="http://schemas.openxmlformats.org/drawingml/2006/main" xmlns:r="http://schemas.openxmlformats.org/officeDocument/2006/relationships" xmlns:p="http://schemas.openxmlformats.org/presentationml/2006/main" show="0">
   <p:cSld>
     <p:spTree>
       <p:nvGrpSpPr>
@@ -23877,7 +23877,7 @@
 </file>
 
 <file path=ppt/slides/slide2.xml><?xml version="1.0" encoding="utf-8"?>
-<p:sld xmlns:a="http://schemas.openxmlformats.org/drawingml/2006/main" xmlns:r="http://schemas.openxmlformats.org/officeDocument/2006/relationships" xmlns:p="http://schemas.openxmlformats.org/presentationml/2006/main">
+<p:sld xmlns:a="http://schemas.openxmlformats.org/drawingml/2006/main" xmlns:r="http://schemas.openxmlformats.org/officeDocument/2006/relationships" xmlns:p="http://schemas.openxmlformats.org/presentationml/2006/main" show="0">
   <p:cSld>
     <p:spTree>
       <p:nvGrpSpPr>
@@ -31820,7 +31820,7 @@
 </file>
 
 <file path=ppt/slides/slide5.xml><?xml version="1.0" encoding="utf-8"?>
-<p:sld xmlns:a="http://schemas.openxmlformats.org/drawingml/2006/main" xmlns:r="http://schemas.openxmlformats.org/officeDocument/2006/relationships" xmlns:p="http://schemas.openxmlformats.org/presentationml/2006/main">
+<p:sld xmlns:a="http://schemas.openxmlformats.org/drawingml/2006/main" xmlns:r="http://schemas.openxmlformats.org/officeDocument/2006/relationships" xmlns:p="http://schemas.openxmlformats.org/presentationml/2006/main" show="0">
   <p:cSld>
     <p:spTree>
       <p:nvGrpSpPr>
@@ -33345,7 +33345,7 @@
 </file>
 
 <file path=ppt/slides/slide6.xml><?xml version="1.0" encoding="utf-8"?>
-<p:sld xmlns:a="http://schemas.openxmlformats.org/drawingml/2006/main" xmlns:r="http://schemas.openxmlformats.org/officeDocument/2006/relationships" xmlns:p="http://schemas.openxmlformats.org/presentationml/2006/main">
+<p:sld xmlns:a="http://schemas.openxmlformats.org/drawingml/2006/main" xmlns:r="http://schemas.openxmlformats.org/officeDocument/2006/relationships" xmlns:p="http://schemas.openxmlformats.org/presentationml/2006/main" show="0">
   <p:cSld>
     <p:spTree>
       <p:nvGrpSpPr>
@@ -34870,7 +34870,7 @@
 </file>
 
 <file path=ppt/slides/slide7.xml><?xml version="1.0" encoding="utf-8"?>
-<p:sld xmlns:a="http://schemas.openxmlformats.org/drawingml/2006/main" xmlns:r="http://schemas.openxmlformats.org/officeDocument/2006/relationships" xmlns:p="http://schemas.openxmlformats.org/presentationml/2006/main">
+<p:sld xmlns:a="http://schemas.openxmlformats.org/drawingml/2006/main" xmlns:r="http://schemas.openxmlformats.org/officeDocument/2006/relationships" xmlns:p="http://schemas.openxmlformats.org/presentationml/2006/main" show="0">
   <p:cSld>
     <p:spTree>
       <p:nvGrpSpPr>
@@ -36395,7 +36395,7 @@
 </file>
 
 <file path=ppt/slides/slide8.xml><?xml version="1.0" encoding="utf-8"?>
-<p:sld xmlns:a="http://schemas.openxmlformats.org/drawingml/2006/main" xmlns:r="http://schemas.openxmlformats.org/officeDocument/2006/relationships" xmlns:p="http://schemas.openxmlformats.org/presentationml/2006/main">
+<p:sld xmlns:a="http://schemas.openxmlformats.org/drawingml/2006/main" xmlns:r="http://schemas.openxmlformats.org/officeDocument/2006/relationships" xmlns:p="http://schemas.openxmlformats.org/presentationml/2006/main" show="0">
   <p:cSld>
     <p:spTree>
       <p:nvGrpSpPr>
@@ -37920,7 +37920,7 @@
 </file>
 
 <file path=ppt/slides/slide9.xml><?xml version="1.0" encoding="utf-8"?>
-<p:sld xmlns:a="http://schemas.openxmlformats.org/drawingml/2006/main" xmlns:r="http://schemas.openxmlformats.org/officeDocument/2006/relationships" xmlns:p="http://schemas.openxmlformats.org/presentationml/2006/main">
+<p:sld xmlns:a="http://schemas.openxmlformats.org/drawingml/2006/main" xmlns:r="http://schemas.openxmlformats.org/officeDocument/2006/relationships" xmlns:p="http://schemas.openxmlformats.org/presentationml/2006/main" show="0">
   <p:cSld>
     <p:spTree>
       <p:nvGrpSpPr>
